--- a/presentation/capability_goal.pptx
+++ b/presentation/capability_goal.pptx
@@ -3545,41 +3545,6 @@
       </p:grpSpPr>
       <p:sp>
         <p:nvSpPr>
-          <p:cNvPr id="2" name="Title 1"/>
-          <p:cNvSpPr>
-            <a:spLocks noGrp="1"/>
-          </p:cNvSpPr>
-          <p:nvPr>
-            <p:ph type="title"/>
-          </p:nvPr>
-        </p:nvSpPr>
-        <p:spPr>
-          <a:xfrm>
-            <a:off x="722313" y="4406900"/>
-            <a:ext cx="7772400" cy="757130"/>
-          </a:xfrm>
-        </p:spPr>
-        <p:txBody>
-          <a:bodyPr/>
-          <a:lstStyle/>
-          <a:p>
-            <a:r>
-              <a:rPr lang="en-US" sz="2400" dirty="0" smtClean="0"/>
-              <a:t>Rob Byrd</a:t>
-            </a:r>
-            <a:br>
-              <a:rPr lang="en-US" sz="2400" dirty="0" smtClean="0"/>
-            </a:br>
-            <a:r>
-              <a:rPr lang="en-US" sz="2400" dirty="0" smtClean="0"/>
-              <a:t>Chief Enterprise Architect</a:t>
-            </a:r>
-            <a:endParaRPr lang="en-US" sz="2400" dirty="0"/>
-          </a:p>
-        </p:txBody>
-      </p:sp>
-      <p:sp>
-        <p:nvSpPr>
           <p:cNvPr id="3" name="Text Placeholder 2"/>
           <p:cNvSpPr>
             <a:spLocks noGrp="1"/>
@@ -6043,11 +6008,7 @@
             </a:pPr>
             <a:r>
               <a:rPr lang="en-US" dirty="0" smtClean="0"/>
-              <a:t>Understanding </a:t>
-            </a:r>
-            <a:r>
-              <a:rPr lang="en-US" dirty="0" smtClean="0"/>
-              <a:t>enterprise-wide capabilities…</a:t>
+              <a:t>Understanding enterprise-wide capabilities…</a:t>
             </a:r>
           </a:p>
         </p:txBody>
